--- a/Описание проекта/Презентация Microsoft PowerPoint (2).pptx
+++ b/Описание проекта/Презентация Microsoft PowerPoint (2).pptx
@@ -12,6 +12,7 @@
     <p:sldId id="260" r:id="rId6"/>
     <p:sldId id="261" r:id="rId7"/>
     <p:sldId id="262" r:id="rId8"/>
+    <p:sldId id="263" r:id="rId9"/>
   </p:sldIdLst>
   <p:sldSz cx="9144000" cy="6858000" type="screen4x3"/>
   <p:notesSz cx="6858000" cy="9144000"/>
@@ -294,7 +295,7 @@
           <a:p>
             <a:fld id="{B4C71EC6-210F-42DE-9C53-41977AD35B3D}" type="datetimeFigureOut">
               <a:rPr lang="ru-RU" smtClean="0"/>
-              <a:t>17.04.2022</a:t>
+              <a:t>05.05.2022</a:t>
             </a:fld>
             <a:endParaRPr lang="ru-RU"/>
           </a:p>
@@ -459,7 +460,7 @@
           <a:p>
             <a:fld id="{B4C71EC6-210F-42DE-9C53-41977AD35B3D}" type="datetimeFigureOut">
               <a:rPr lang="ru-RU" smtClean="0"/>
-              <a:t>17.04.2022</a:t>
+              <a:t>05.05.2022</a:t>
             </a:fld>
             <a:endParaRPr lang="ru-RU"/>
           </a:p>
@@ -634,7 +635,7 @@
           <a:p>
             <a:fld id="{B4C71EC6-210F-42DE-9C53-41977AD35B3D}" type="datetimeFigureOut">
               <a:rPr lang="ru-RU" smtClean="0"/>
-              <a:t>17.04.2022</a:t>
+              <a:t>05.05.2022</a:t>
             </a:fld>
             <a:endParaRPr lang="ru-RU"/>
           </a:p>
@@ -799,7 +800,7 @@
           <a:p>
             <a:fld id="{B4C71EC6-210F-42DE-9C53-41977AD35B3D}" type="datetimeFigureOut">
               <a:rPr lang="ru-RU" smtClean="0"/>
-              <a:t>17.04.2022</a:t>
+              <a:t>05.05.2022</a:t>
             </a:fld>
             <a:endParaRPr lang="ru-RU"/>
           </a:p>
@@ -1040,7 +1041,7 @@
           <a:p>
             <a:fld id="{B4C71EC6-210F-42DE-9C53-41977AD35B3D}" type="datetimeFigureOut">
               <a:rPr lang="ru-RU" smtClean="0"/>
-              <a:t>17.04.2022</a:t>
+              <a:t>05.05.2022</a:t>
             </a:fld>
             <a:endParaRPr lang="ru-RU"/>
           </a:p>
@@ -1323,7 +1324,7 @@
           <a:p>
             <a:fld id="{B4C71EC6-210F-42DE-9C53-41977AD35B3D}" type="datetimeFigureOut">
               <a:rPr lang="ru-RU" smtClean="0"/>
-              <a:t>17.04.2022</a:t>
+              <a:t>05.05.2022</a:t>
             </a:fld>
             <a:endParaRPr lang="ru-RU"/>
           </a:p>
@@ -1740,7 +1741,7 @@
           <a:p>
             <a:fld id="{B4C71EC6-210F-42DE-9C53-41977AD35B3D}" type="datetimeFigureOut">
               <a:rPr lang="ru-RU" smtClean="0"/>
-              <a:t>17.04.2022</a:t>
+              <a:t>05.05.2022</a:t>
             </a:fld>
             <a:endParaRPr lang="ru-RU"/>
           </a:p>
@@ -1853,7 +1854,7 @@
           <a:p>
             <a:fld id="{B4C71EC6-210F-42DE-9C53-41977AD35B3D}" type="datetimeFigureOut">
               <a:rPr lang="ru-RU" smtClean="0"/>
-              <a:t>17.04.2022</a:t>
+              <a:t>05.05.2022</a:t>
             </a:fld>
             <a:endParaRPr lang="ru-RU"/>
           </a:p>
@@ -1943,7 +1944,7 @@
           <a:p>
             <a:fld id="{B4C71EC6-210F-42DE-9C53-41977AD35B3D}" type="datetimeFigureOut">
               <a:rPr lang="ru-RU" smtClean="0"/>
-              <a:t>17.04.2022</a:t>
+              <a:t>05.05.2022</a:t>
             </a:fld>
             <a:endParaRPr lang="ru-RU"/>
           </a:p>
@@ -2215,7 +2216,7 @@
           <a:p>
             <a:fld id="{B4C71EC6-210F-42DE-9C53-41977AD35B3D}" type="datetimeFigureOut">
               <a:rPr lang="ru-RU" smtClean="0"/>
-              <a:t>17.04.2022</a:t>
+              <a:t>05.05.2022</a:t>
             </a:fld>
             <a:endParaRPr lang="ru-RU"/>
           </a:p>
@@ -2463,7 +2464,7 @@
           <a:p>
             <a:fld id="{B4C71EC6-210F-42DE-9C53-41977AD35B3D}" type="datetimeFigureOut">
               <a:rPr lang="ru-RU" smtClean="0"/>
-              <a:t>17.04.2022</a:t>
+              <a:t>05.05.2022</a:t>
             </a:fld>
             <a:endParaRPr lang="ru-RU"/>
           </a:p>
@@ -2671,7 +2672,7 @@
           <a:p>
             <a:fld id="{B4C71EC6-210F-42DE-9C53-41977AD35B3D}" type="datetimeFigureOut">
               <a:rPr lang="ru-RU" smtClean="0"/>
-              <a:t>17.04.2022</a:t>
+              <a:t>05.05.2022</a:t>
             </a:fld>
             <a:endParaRPr lang="ru-RU"/>
           </a:p>
@@ -3184,50 +3185,6 @@
           </a:extLst>
         </p:spPr>
       </p:pic>
-      <p:sp>
-        <p:nvSpPr>
-          <p:cNvPr id="5" name="Овальная выноска 4"/>
-          <p:cNvSpPr/>
-          <p:nvPr/>
-        </p:nvSpPr>
-        <p:spPr>
-          <a:xfrm>
-            <a:off x="2891932" y="2204864"/>
-            <a:ext cx="3240360" cy="1944216"/>
-          </a:xfrm>
-          <a:prstGeom prst="wedgeEllipseCallout">
-            <a:avLst/>
-          </a:prstGeom>
-        </p:spPr>
-        <p:style>
-          <a:lnRef idx="2">
-            <a:schemeClr val="accent1">
-              <a:shade val="50000"/>
-            </a:schemeClr>
-          </a:lnRef>
-          <a:fillRef idx="1">
-            <a:schemeClr val="accent1"/>
-          </a:fillRef>
-          <a:effectRef idx="0">
-            <a:schemeClr val="accent1"/>
-          </a:effectRef>
-          <a:fontRef idx="minor">
-            <a:schemeClr val="lt1"/>
-          </a:fontRef>
-        </p:style>
-        <p:txBody>
-          <a:bodyPr rtlCol="0" anchor="ctr"/>
-          <a:lstStyle/>
-          <a:p>
-            <a:pPr algn="ctr"/>
-            <a:r>
-              <a:rPr lang="ru-RU" dirty="0" smtClean="0"/>
-              <a:t>Какие у меня пары завтра</a:t>
-            </a:r>
-            <a:endParaRPr lang="ru-RU" dirty="0"/>
-          </a:p>
-        </p:txBody>
-      </p:sp>
     </p:spTree>
     <p:extLst>
       <p:ext uri="{BB962C8B-B14F-4D97-AF65-F5344CB8AC3E}">
@@ -3992,11 +3949,20 @@
             <p:ph type="title"/>
           </p:nvPr>
         </p:nvSpPr>
-        <p:spPr/>
-        <p:txBody>
-          <a:bodyPr/>
-          <a:lstStyle/>
-          <a:p>
+        <p:spPr>
+          <a:xfrm>
+            <a:off x="467544" y="2564904"/>
+            <a:ext cx="8229600" cy="1143000"/>
+          </a:xfrm>
+        </p:spPr>
+        <p:txBody>
+          <a:bodyPr/>
+          <a:lstStyle/>
+          <a:p>
+            <a:r>
+              <a:rPr lang="ru-RU" smtClean="0"/>
+              <a:t>Демонстрация</a:t>
+            </a:r>
             <a:endParaRPr lang="ru-RU" dirty="0"/>
           </a:p>
         </p:txBody>
@@ -4016,7 +3982,7 @@
           <a:bodyPr/>
           <a:lstStyle/>
           <a:p>
-            <a:endParaRPr lang="ru-RU"/>
+            <a:endParaRPr lang="ru-RU" dirty="0"/>
           </a:p>
         </p:txBody>
       </p:sp>
@@ -4024,6 +3990,83 @@
     <p:extLst>
       <p:ext uri="{BB962C8B-B14F-4D97-AF65-F5344CB8AC3E}">
         <p14:creationId xmlns:p14="http://schemas.microsoft.com/office/powerpoint/2010/main" val="2799052905"/>
+      </p:ext>
+    </p:extLst>
+  </p:cSld>
+  <p:clrMapOvr>
+    <a:masterClrMapping/>
+  </p:clrMapOvr>
+</p:sld>
+</file>
+
+<file path=ppt/slides/slide8.xml><?xml version="1.0" encoding="utf-8"?>
+<p:sld xmlns:a="http://schemas.openxmlformats.org/drawingml/2006/main" xmlns:r="http://schemas.openxmlformats.org/officeDocument/2006/relationships" xmlns:p="http://schemas.openxmlformats.org/presentationml/2006/main">
+  <p:cSld>
+    <p:spTree>
+      <p:nvGrpSpPr>
+        <p:cNvPr id="1" name=""/>
+        <p:cNvGrpSpPr/>
+        <p:nvPr/>
+      </p:nvGrpSpPr>
+      <p:grpSpPr>
+        <a:xfrm>
+          <a:off x="0" y="0"/>
+          <a:ext cx="0" cy="0"/>
+          <a:chOff x="0" y="0"/>
+          <a:chExt cx="0" cy="0"/>
+        </a:xfrm>
+      </p:grpSpPr>
+      <p:sp>
+        <p:nvSpPr>
+          <p:cNvPr id="2" name="Заголовок 1"/>
+          <p:cNvSpPr>
+            <a:spLocks noGrp="1"/>
+          </p:cNvSpPr>
+          <p:nvPr>
+            <p:ph type="title"/>
+          </p:nvPr>
+        </p:nvSpPr>
+        <p:spPr>
+          <a:xfrm>
+            <a:off x="467544" y="3284984"/>
+            <a:ext cx="8229600" cy="1143000"/>
+          </a:xfrm>
+        </p:spPr>
+        <p:txBody>
+          <a:bodyPr/>
+          <a:lstStyle/>
+          <a:p>
+            <a:r>
+              <a:rPr lang="ru-RU" dirty="0" smtClean="0"/>
+              <a:t>Спасибо за внимание</a:t>
+            </a:r>
+            <a:endParaRPr lang="ru-RU" dirty="0"/>
+          </a:p>
+        </p:txBody>
+      </p:sp>
+      <p:sp>
+        <p:nvSpPr>
+          <p:cNvPr id="3" name="Объект 2"/>
+          <p:cNvSpPr>
+            <a:spLocks noGrp="1"/>
+          </p:cNvSpPr>
+          <p:nvPr>
+            <p:ph idx="1"/>
+          </p:nvPr>
+        </p:nvSpPr>
+        <p:spPr/>
+        <p:txBody>
+          <a:bodyPr/>
+          <a:lstStyle/>
+          <a:p>
+            <a:endParaRPr lang="ru-RU" dirty="0"/>
+          </a:p>
+        </p:txBody>
+      </p:sp>
+    </p:spTree>
+    <p:extLst>
+      <p:ext uri="{BB962C8B-B14F-4D97-AF65-F5344CB8AC3E}">
+        <p14:creationId xmlns:p14="http://schemas.microsoft.com/office/powerpoint/2010/main" val="558523733"/>
       </p:ext>
     </p:extLst>
   </p:cSld>
